--- a/AKKA_Pistar_Zoltan.pptx
+++ b/AKKA_Pistar_Zoltan.pptx
@@ -13280,7 +13280,19 @@
             </a:r>
             <a:r>
               <a:rPr lang="hu-HU" dirty="0" smtClean="0"/>
-              <a:t> operator</a:t>
+              <a:t>, </a:t>
+            </a:r>
+            <a:r>
+              <a:rPr lang="hu-HU" dirty="0" err="1" smtClean="0"/>
+              <a:t>ask</a:t>
+            </a:r>
+            <a:r>
+              <a:rPr lang="hu-HU" dirty="0" smtClean="0"/>
+              <a:t> </a:t>
+            </a:r>
+            <a:r>
+              <a:rPr lang="hu-HU" dirty="0" smtClean="0"/>
+              <a:t>operator</a:t>
             </a:r>
             <a:br>
               <a:rPr lang="hu-HU" dirty="0" smtClean="0"/>
